--- a/CalendarioAgo21/CISCO/Capitulo3.pptx
+++ b/CalendarioAgo21/CISCO/Capitulo3.pptx
@@ -759,7 +759,7 @@
               </a14:hiddenFill>
             </a:ext>
             <a:ext uri="{FAA26D3D-D897-4be2-8F04-BA451C77F1D7}">
-              <ma14:placeholderFlag xmlns:ma14="http://schemas.microsoft.com/office/mac/drawingml/2011/main" xmlns:mc="http://schemas.openxmlformats.org/markup-compatibility/2006" xmlns:a14="http://schemas.microsoft.com/office/drawing/2010/main" xmlns:c="http://schemas.openxmlformats.org/drawingml/2006/chart" xmlns:dgm="http://schemas.openxmlformats.org/drawingml/2006/diagram" xmlns:cdr="http://schemas.openxmlformats.org/drawingml/2006/chartDrawing" xmlns:wne="http://schemas.microsoft.com/office/powerpoint/2006/powerpointml" xmlns:wp="http://schemas.openxmlformats.org/drawingml/2006/powerpointprocessingDrawing" xmlns:v="urn:schemas-microsoft-com:vml" xmlns:o="urn:schemas-microsoft-com:office:office" xmlns="" val="1"/>
+              <ma14:placeholderFlag xmlns="" xmlns:o="urn:schemas-microsoft-com:office:office" xmlns:v="urn:schemas-microsoft-com:vml" xmlns:wp="http://schemas.openxmlformats.org/drawingml/2006/powerpointprocessingDrawing" xmlns:wne="http://schemas.microsoft.com/office/powerpoint/2006/powerpointml" xmlns:cdr="http://schemas.openxmlformats.org/drawingml/2006/chartDrawing" xmlns:dgm="http://schemas.openxmlformats.org/drawingml/2006/diagram" xmlns:c="http://schemas.openxmlformats.org/drawingml/2006/chart" xmlns:a14="http://schemas.microsoft.com/office/drawing/2010/main" xmlns:mc="http://schemas.openxmlformats.org/markup-compatibility/2006" xmlns:ma14="http://schemas.microsoft.com/office/mac/drawingml/2011/main" val="1"/>
             </a:ext>
           </a:extLst>
         </p:spPr>
@@ -7882,7 +7882,7 @@
               </a14:hiddenLine>
             </a:ext>
             <a:ext uri="{FAA26D3D-D897-4be2-8F04-BA451C77F1D7}">
-              <ma14:placeholderFlag xmlns:ma14="http://schemas.microsoft.com/office/mac/drawingml/2011/main" xmlns:mc="http://schemas.openxmlformats.org/markup-compatibility/2006" xmlns:a14="http://schemas.microsoft.com/office/drawing/2010/main" xmlns:c="http://schemas.openxmlformats.org/drawingml/2006/chart" xmlns:dgm="http://schemas.openxmlformats.org/drawingml/2006/diagram" xmlns:cdr="http://schemas.openxmlformats.org/drawingml/2006/chartDrawing" xmlns:wne="http://schemas.microsoft.com/office/powerpoint/2006/powerpointml" xmlns:wp="http://schemas.openxmlformats.org/drawingml/2006/powerpointprocessingDrawing" xmlns:v="urn:schemas-microsoft-com:vml" xmlns:o="urn:schemas-microsoft-com:office:office" xmlns="" val="1"/>
+              <ma14:placeholderFlag xmlns="" xmlns:o="urn:schemas-microsoft-com:office:office" xmlns:v="urn:schemas-microsoft-com:vml" xmlns:wp="http://schemas.openxmlformats.org/drawingml/2006/powerpointprocessingDrawing" xmlns:wne="http://schemas.microsoft.com/office/powerpoint/2006/powerpointml" xmlns:cdr="http://schemas.openxmlformats.org/drawingml/2006/chartDrawing" xmlns:dgm="http://schemas.openxmlformats.org/drawingml/2006/diagram" xmlns:c="http://schemas.openxmlformats.org/drawingml/2006/chart" xmlns:a14="http://schemas.microsoft.com/office/drawing/2010/main" xmlns:mc="http://schemas.openxmlformats.org/markup-compatibility/2006" xmlns:ma14="http://schemas.microsoft.com/office/mac/drawingml/2011/main" val="1"/>
             </a:ext>
           </a:extLst>
         </p:spPr>
@@ -8092,7 +8092,7 @@
               </a14:hiddenLine>
             </a:ext>
             <a:ext uri="{FAA26D3D-D897-4be2-8F04-BA451C77F1D7}">
-              <ma14:placeholderFlag xmlns:ma14="http://schemas.microsoft.com/office/mac/drawingml/2011/main" xmlns:mc="http://schemas.openxmlformats.org/markup-compatibility/2006" xmlns:a14="http://schemas.microsoft.com/office/drawing/2010/main" xmlns:c="http://schemas.openxmlformats.org/drawingml/2006/chart" xmlns:dgm="http://schemas.openxmlformats.org/drawingml/2006/diagram" xmlns:cdr="http://schemas.openxmlformats.org/drawingml/2006/chartDrawing" xmlns:wne="http://schemas.microsoft.com/office/powerpoint/2006/powerpointml" xmlns:wp="http://schemas.openxmlformats.org/drawingml/2006/powerpointprocessingDrawing" xmlns:v="urn:schemas-microsoft-com:vml" xmlns:o="urn:schemas-microsoft-com:office:office" xmlns="" val="1"/>
+              <ma14:placeholderFlag xmlns="" xmlns:o="urn:schemas-microsoft-com:office:office" xmlns:v="urn:schemas-microsoft-com:vml" xmlns:wp="http://schemas.openxmlformats.org/drawingml/2006/powerpointprocessingDrawing" xmlns:wne="http://schemas.microsoft.com/office/powerpoint/2006/powerpointml" xmlns:cdr="http://schemas.openxmlformats.org/drawingml/2006/chartDrawing" xmlns:dgm="http://schemas.openxmlformats.org/drawingml/2006/diagram" xmlns:c="http://schemas.openxmlformats.org/drawingml/2006/chart" xmlns:a14="http://schemas.microsoft.com/office/drawing/2010/main" xmlns:mc="http://schemas.openxmlformats.org/markup-compatibility/2006" xmlns:ma14="http://schemas.microsoft.com/office/mac/drawingml/2011/main" val="1"/>
             </a:ext>
           </a:extLst>
         </p:spPr>
@@ -8856,7 +8856,7 @@
               </a14:hiddenLine>
             </a:ext>
             <a:ext uri="{FAA26D3D-D897-4be2-8F04-BA451C77F1D7}">
-              <ma14:placeholderFlag xmlns:ma14="http://schemas.microsoft.com/office/mac/drawingml/2011/main" xmlns:mc="http://schemas.openxmlformats.org/markup-compatibility/2006" xmlns:a14="http://schemas.microsoft.com/office/drawing/2010/main" xmlns:c="http://schemas.openxmlformats.org/drawingml/2006/chart" xmlns:dgm="http://schemas.openxmlformats.org/drawingml/2006/diagram" xmlns:cdr="http://schemas.openxmlformats.org/drawingml/2006/chartDrawing" xmlns:wne="http://schemas.microsoft.com/office/powerpoint/2006/powerpointml" xmlns:wp="http://schemas.openxmlformats.org/drawingml/2006/powerpointprocessingDrawing" xmlns:v="urn:schemas-microsoft-com:vml" xmlns:o="urn:schemas-microsoft-com:office:office" xmlns="" val="1"/>
+              <ma14:placeholderFlag xmlns="" xmlns:o="urn:schemas-microsoft-com:office:office" xmlns:v="urn:schemas-microsoft-com:vml" xmlns:wp="http://schemas.openxmlformats.org/drawingml/2006/powerpointprocessingDrawing" xmlns:wne="http://schemas.microsoft.com/office/powerpoint/2006/powerpointml" xmlns:cdr="http://schemas.openxmlformats.org/drawingml/2006/chartDrawing" xmlns:dgm="http://schemas.openxmlformats.org/drawingml/2006/diagram" xmlns:c="http://schemas.openxmlformats.org/drawingml/2006/chart" xmlns:a14="http://schemas.microsoft.com/office/drawing/2010/main" xmlns:mc="http://schemas.openxmlformats.org/markup-compatibility/2006" xmlns:ma14="http://schemas.microsoft.com/office/mac/drawingml/2011/main" val="1"/>
             </a:ext>
           </a:extLst>
         </p:spPr>
@@ -9051,7 +9051,7 @@
               </a14:hiddenLine>
             </a:ext>
             <a:ext uri="{FAA26D3D-D897-4be2-8F04-BA451C77F1D7}">
-              <ma14:placeholderFlag xmlns:ma14="http://schemas.microsoft.com/office/mac/drawingml/2011/main" xmlns:mc="http://schemas.openxmlformats.org/markup-compatibility/2006" xmlns:a14="http://schemas.microsoft.com/office/drawing/2010/main" xmlns:c="http://schemas.openxmlformats.org/drawingml/2006/chart" xmlns:dgm="http://schemas.openxmlformats.org/drawingml/2006/diagram" xmlns:cdr="http://schemas.openxmlformats.org/drawingml/2006/chartDrawing" xmlns:wne="http://schemas.microsoft.com/office/powerpoint/2006/powerpointml" xmlns:wp="http://schemas.openxmlformats.org/drawingml/2006/powerpointprocessingDrawing" xmlns:v="urn:schemas-microsoft-com:vml" xmlns:o="urn:schemas-microsoft-com:office:office" xmlns="" val="1"/>
+              <ma14:placeholderFlag xmlns="" xmlns:o="urn:schemas-microsoft-com:office:office" xmlns:v="urn:schemas-microsoft-com:vml" xmlns:wp="http://schemas.openxmlformats.org/drawingml/2006/powerpointprocessingDrawing" xmlns:wne="http://schemas.microsoft.com/office/powerpoint/2006/powerpointml" xmlns:cdr="http://schemas.openxmlformats.org/drawingml/2006/chartDrawing" xmlns:dgm="http://schemas.openxmlformats.org/drawingml/2006/diagram" xmlns:c="http://schemas.openxmlformats.org/drawingml/2006/chart" xmlns:a14="http://schemas.microsoft.com/office/drawing/2010/main" xmlns:mc="http://schemas.openxmlformats.org/markup-compatibility/2006" xmlns:ma14="http://schemas.microsoft.com/office/mac/drawingml/2011/main" val="1"/>
             </a:ext>
           </a:extLst>
         </p:spPr>
@@ -11352,7 +11352,15 @@
             </a:pPr>
             <a:r>
               <a:rPr lang="es-ES" dirty="0"/>
-              <a:t>El propósito de los protocolos de ruteo dinámico incluye:</a:t>
+              <a:t>El </a:t>
+            </a:r>
+            <a:r>
+              <a:rPr lang="es-ES" b="1" dirty="0"/>
+              <a:t>propósito de los protocolos </a:t>
+            </a:r>
+            <a:r>
+              <a:rPr lang="es-ES" dirty="0"/>
+              <a:t>de ruteo dinámico incluye:</a:t>
             </a:r>
           </a:p>
           <a:p>
